--- a/Diagnostics/local/Cori/figures/New Microsoft PowerPoint Presentation.pptx
+++ b/Diagnostics/local/Cori/figures/New Microsoft PowerPoint Presentation.pptx
@@ -197,7 +197,7 @@
           <a:p>
             <a:fld id="{35AC45B3-7EA6-4BE2-93A0-CBD29CB287C0}" type="datetimeFigureOut">
               <a:rPr lang="en-US" smtClean="0"/>
-              <a:t>10/5/2022</a:t>
+              <a:t>10/17/22</a:t>
             </a:fld>
             <a:endParaRPr lang="en-US"/>
           </a:p>
@@ -464,6 +464,90 @@
 </p:notesMaster>
 </file>
 
+<file path=ppt/notesSlides/notesSlide1.xml><?xml version="1.0" encoding="utf-8"?>
+<p:notes xmlns:a="http://schemas.openxmlformats.org/drawingml/2006/main" xmlns:r="http://schemas.openxmlformats.org/officeDocument/2006/relationships" xmlns:p="http://schemas.openxmlformats.org/presentationml/2006/main">
+  <p:cSld>
+    <p:spTree>
+      <p:nvGrpSpPr>
+        <p:cNvPr id="1" name=""/>
+        <p:cNvGrpSpPr/>
+        <p:nvPr/>
+      </p:nvGrpSpPr>
+      <p:grpSpPr>
+        <a:xfrm>
+          <a:off x="0" y="0"/>
+          <a:ext cx="0" cy="0"/>
+          <a:chOff x="0" y="0"/>
+          <a:chExt cx="0" cy="0"/>
+        </a:xfrm>
+      </p:grpSpPr>
+      <p:sp>
+        <p:nvSpPr>
+          <p:cNvPr id="2" name="Slide Image Placeholder 1"/>
+          <p:cNvSpPr>
+            <a:spLocks noGrp="1" noRot="1" noChangeAspect="1"/>
+          </p:cNvSpPr>
+          <p:nvPr>
+            <p:ph type="sldImg"/>
+          </p:nvPr>
+        </p:nvSpPr>
+        <p:spPr/>
+      </p:sp>
+      <p:sp>
+        <p:nvSpPr>
+          <p:cNvPr id="3" name="Notes Placeholder 2"/>
+          <p:cNvSpPr>
+            <a:spLocks noGrp="1"/>
+          </p:cNvSpPr>
+          <p:nvPr>
+            <p:ph type="body" idx="1"/>
+          </p:nvPr>
+        </p:nvSpPr>
+        <p:spPr/>
+        <p:txBody>
+          <a:bodyPr/>
+          <a:lstStyle/>
+          <a:p>
+            <a:endParaRPr lang="en-US" dirty="0"/>
+          </a:p>
+        </p:txBody>
+      </p:sp>
+      <p:sp>
+        <p:nvSpPr>
+          <p:cNvPr id="4" name="Slide Number Placeholder 3"/>
+          <p:cNvSpPr>
+            <a:spLocks noGrp="1"/>
+          </p:cNvSpPr>
+          <p:nvPr>
+            <p:ph type="sldNum" sz="quarter" idx="5"/>
+          </p:nvPr>
+        </p:nvSpPr>
+        <p:spPr/>
+        <p:txBody>
+          <a:bodyPr/>
+          <a:lstStyle/>
+          <a:p>
+            <a:fld id="{F1485F7D-F58D-4255-BEB4-DEDE7B545D19}" type="slidenum">
+              <a:rPr lang="en-US" smtClean="0"/>
+              <a:t>2</a:t>
+            </a:fld>
+            <a:endParaRPr lang="en-US"/>
+          </a:p>
+        </p:txBody>
+      </p:sp>
+    </p:spTree>
+    <p:extLst>
+      <p:ext uri="{BB962C8B-B14F-4D97-AF65-F5344CB8AC3E}">
+        <p14:creationId xmlns:p14="http://schemas.microsoft.com/office/powerpoint/2010/main" val="1471345863"/>
+      </p:ext>
+    </p:extLst>
+  </p:cSld>
+  <p:clrMapOvr>
+    <a:masterClrMapping/>
+  </p:clrMapOvr>
+</p:notes>
+</file>
+
 <file path=ppt/slideLayouts/slideLayout1.xml><?xml version="1.0" encoding="utf-8"?>
 <p:sldLayout xmlns:a="http://schemas.openxmlformats.org/drawingml/2006/main" xmlns:r="http://schemas.openxmlformats.org/officeDocument/2006/relationships" xmlns:p="http://schemas.openxmlformats.org/presentationml/2006/main" type="title" preserve="1">
   <p:cSld name="Title Slide">
@@ -595,7 +679,7 @@
           <a:p>
             <a:fld id="{7605E09F-1329-4994-8266-187CDE3C8E3F}" type="datetimeFigureOut">
               <a:rPr lang="en-US" smtClean="0"/>
-              <a:t>10/5/2022</a:t>
+              <a:t>10/17/22</a:t>
             </a:fld>
             <a:endParaRPr lang="en-US"/>
           </a:p>
@@ -765,7 +849,7 @@
           <a:p>
             <a:fld id="{7605E09F-1329-4994-8266-187CDE3C8E3F}" type="datetimeFigureOut">
               <a:rPr lang="en-US" smtClean="0"/>
-              <a:t>10/5/2022</a:t>
+              <a:t>10/17/22</a:t>
             </a:fld>
             <a:endParaRPr lang="en-US"/>
           </a:p>
@@ -945,7 +1029,7 @@
           <a:p>
             <a:fld id="{7605E09F-1329-4994-8266-187CDE3C8E3F}" type="datetimeFigureOut">
               <a:rPr lang="en-US" smtClean="0"/>
-              <a:t>10/5/2022</a:t>
+              <a:t>10/17/22</a:t>
             </a:fld>
             <a:endParaRPr lang="en-US"/>
           </a:p>
@@ -1115,7 +1199,7 @@
           <a:p>
             <a:fld id="{7605E09F-1329-4994-8266-187CDE3C8E3F}" type="datetimeFigureOut">
               <a:rPr lang="en-US" smtClean="0"/>
-              <a:t>10/5/2022</a:t>
+              <a:t>10/17/22</a:t>
             </a:fld>
             <a:endParaRPr lang="en-US"/>
           </a:p>
@@ -1361,7 +1445,7 @@
           <a:p>
             <a:fld id="{7605E09F-1329-4994-8266-187CDE3C8E3F}" type="datetimeFigureOut">
               <a:rPr lang="en-US" smtClean="0"/>
-              <a:t>10/5/2022</a:t>
+              <a:t>10/17/22</a:t>
             </a:fld>
             <a:endParaRPr lang="en-US"/>
           </a:p>
@@ -1593,7 +1677,7 @@
           <a:p>
             <a:fld id="{7605E09F-1329-4994-8266-187CDE3C8E3F}" type="datetimeFigureOut">
               <a:rPr lang="en-US" smtClean="0"/>
-              <a:t>10/5/2022</a:t>
+              <a:t>10/17/22</a:t>
             </a:fld>
             <a:endParaRPr lang="en-US"/>
           </a:p>
@@ -1960,7 +2044,7 @@
           <a:p>
             <a:fld id="{7605E09F-1329-4994-8266-187CDE3C8E3F}" type="datetimeFigureOut">
               <a:rPr lang="en-US" smtClean="0"/>
-              <a:t>10/5/2022</a:t>
+              <a:t>10/17/22</a:t>
             </a:fld>
             <a:endParaRPr lang="en-US"/>
           </a:p>
@@ -2078,7 +2162,7 @@
           <a:p>
             <a:fld id="{7605E09F-1329-4994-8266-187CDE3C8E3F}" type="datetimeFigureOut">
               <a:rPr lang="en-US" smtClean="0"/>
-              <a:t>10/5/2022</a:t>
+              <a:t>10/17/22</a:t>
             </a:fld>
             <a:endParaRPr lang="en-US"/>
           </a:p>
@@ -2173,7 +2257,7 @@
           <a:p>
             <a:fld id="{7605E09F-1329-4994-8266-187CDE3C8E3F}" type="datetimeFigureOut">
               <a:rPr lang="en-US" smtClean="0"/>
-              <a:t>10/5/2022</a:t>
+              <a:t>10/17/22</a:t>
             </a:fld>
             <a:endParaRPr lang="en-US"/>
           </a:p>
@@ -2450,7 +2534,7 @@
           <a:p>
             <a:fld id="{7605E09F-1329-4994-8266-187CDE3C8E3F}" type="datetimeFigureOut">
               <a:rPr lang="en-US" smtClean="0"/>
-              <a:t>10/5/2022</a:t>
+              <a:t>10/17/22</a:t>
             </a:fld>
             <a:endParaRPr lang="en-US"/>
           </a:p>
@@ -2707,7 +2791,7 @@
           <a:p>
             <a:fld id="{7605E09F-1329-4994-8266-187CDE3C8E3F}" type="datetimeFigureOut">
               <a:rPr lang="en-US" smtClean="0"/>
-              <a:t>10/5/2022</a:t>
+              <a:t>10/17/22</a:t>
             </a:fld>
             <a:endParaRPr lang="en-US"/>
           </a:p>
@@ -2920,7 +3004,7 @@
           <a:p>
             <a:fld id="{7605E09F-1329-4994-8266-187CDE3C8E3F}" type="datetimeFigureOut">
               <a:rPr lang="en-US" smtClean="0"/>
-              <a:t>10/5/2022</a:t>
+              <a:t>10/17/22</a:t>
             </a:fld>
             <a:endParaRPr lang="en-US"/>
           </a:p>
@@ -3327,10 +3411,10 @@
       </p:grpSpPr>
       <p:pic>
         <p:nvPicPr>
-          <p:cNvPr id="3" name="Picture 2">
+          <p:cNvPr id="20" name="Picture 19">
             <a:extLst>
               <a:ext uri="{FF2B5EF4-FFF2-40B4-BE49-F238E27FC236}">
-                <a16:creationId xmlns:a16="http://schemas.microsoft.com/office/drawing/2014/main" id="{9B0F41B9-6A67-4918-95C4-778CB35AB8F3}"/>
+                <a16:creationId xmlns:a16="http://schemas.microsoft.com/office/drawing/2014/main" id="{79FD8305-75CB-4C68-84F6-1AA5FE9360D3}"/>
               </a:ext>
             </a:extLst>
           </p:cNvPr>
@@ -3340,20 +3424,55 @@
           <p:nvPr/>
         </p:nvPicPr>
         <p:blipFill rotWithShape="1">
-          <a:blip r:embed="rId2">
+          <a:blip r:embed="rId3">
             <a:extLst>
               <a:ext uri="{28A0092B-C50C-407E-A947-70E740481C1C}">
                 <a14:useLocalDpi xmlns:a14="http://schemas.microsoft.com/office/drawing/2010/main" val="0"/>
               </a:ext>
             </a:extLst>
           </a:blip>
-          <a:srcRect l="8741" t="3855" r="1632" b="1312"/>
+          <a:srcRect l="1801" t="22068" r="92956" b="28241"/>
           <a:stretch/>
         </p:blipFill>
         <p:spPr>
           <a:xfrm>
-            <a:off x="66694" y="0"/>
-            <a:ext cx="9591450" cy="5580185"/>
+            <a:off x="9563076" y="802761"/>
+            <a:ext cx="495324" cy="3264464"/>
+          </a:xfrm>
+          <a:prstGeom prst="rect">
+            <a:avLst/>
+          </a:prstGeom>
+        </p:spPr>
+      </p:pic>
+      <p:pic>
+        <p:nvPicPr>
+          <p:cNvPr id="4" name="Picture 3" descr="Chart, line chart&#10;&#10;Description automatically generated">
+            <a:extLst>
+              <a:ext uri="{FF2B5EF4-FFF2-40B4-BE49-F238E27FC236}">
+                <a16:creationId xmlns:a16="http://schemas.microsoft.com/office/drawing/2014/main" id="{1CFC72B1-51DF-2988-9D2B-3BADBCD9514C}"/>
+              </a:ext>
+            </a:extLst>
+          </p:cNvPr>
+          <p:cNvPicPr>
+            <a:picLocks noChangeAspect="1"/>
+          </p:cNvPicPr>
+          <p:nvPr/>
+        </p:nvPicPr>
+        <p:blipFill rotWithShape="1">
+          <a:blip r:embed="rId4">
+            <a:extLst>
+              <a:ext uri="{28A0092B-C50C-407E-A947-70E740481C1C}">
+                <a14:useLocalDpi xmlns:a14="http://schemas.microsoft.com/office/drawing/2010/main" val="0"/>
+              </a:ext>
+            </a:extLst>
+          </a:blip>
+          <a:srcRect l="9641" t="5826" r="2092" b="979"/>
+          <a:stretch/>
+        </p:blipFill>
+        <p:spPr>
+          <a:xfrm>
+            <a:off x="1" y="39209"/>
+            <a:ext cx="9563075" cy="5629753"/>
           </a:xfrm>
           <a:prstGeom prst="rect">
             <a:avLst/>
@@ -3550,8 +3669,8 @@
           </a:p>
         </p:txBody>
       </p:sp>
-      <mc:AlternateContent xmlns:mc="http://schemas.openxmlformats.org/markup-compatibility/2006" xmlns:a14="http://schemas.microsoft.com/office/drawing/2010/main">
-        <mc:Choice Requires="a14">
+      <mc:AlternateContent xmlns:mc="http://schemas.openxmlformats.org/markup-compatibility/2006">
+        <mc:Choice xmlns:a14="http://schemas.microsoft.com/office/drawing/2010/main" Requires="a14">
           <p:sp>
             <p:nvSpPr>
               <p:cNvPr id="12" name="TextBox 11">
@@ -3566,7 +3685,7 @@
             </p:nvSpPr>
             <p:spPr>
               <a:xfrm>
-                <a:off x="2976940" y="3898347"/>
+                <a:off x="3190300" y="3906105"/>
                 <a:ext cx="2684196" cy="812723"/>
               </a:xfrm>
               <a:prstGeom prst="rect">
@@ -3782,7 +3901,7 @@
             </p:txBody>
           </p:sp>
         </mc:Choice>
-        <mc:Fallback xmlns="">
+        <mc:Fallback>
           <p:sp>
             <p:nvSpPr>
               <p:cNvPr id="12" name="TextBox 11">
@@ -3799,16 +3918,16 @@
             </p:nvSpPr>
             <p:spPr>
               <a:xfrm>
-                <a:off x="2976940" y="3898347"/>
+                <a:off x="3190300" y="3906105"/>
                 <a:ext cx="2684196" cy="812723"/>
               </a:xfrm>
               <a:prstGeom prst="rect">
                 <a:avLst/>
               </a:prstGeom>
               <a:blipFill>
-                <a:blip r:embed="rId3"/>
+                <a:blip r:embed="rId5"/>
                 <a:stretch>
-                  <a:fillRect/>
+                  <a:fillRect l="-2358" r="-472" b="-6154"/>
                 </a:stretch>
               </a:blipFill>
             </p:spPr>
@@ -3827,8 +3946,8 @@
           </p:sp>
         </mc:Fallback>
       </mc:AlternateContent>
-      <mc:AlternateContent xmlns:mc="http://schemas.openxmlformats.org/markup-compatibility/2006" xmlns:a14="http://schemas.microsoft.com/office/drawing/2010/main">
-        <mc:Choice Requires="a14">
+      <mc:AlternateContent xmlns:mc="http://schemas.openxmlformats.org/markup-compatibility/2006">
+        <mc:Choice xmlns:a14="http://schemas.microsoft.com/office/drawing/2010/main" Requires="a14">
           <p:sp>
             <p:nvSpPr>
               <p:cNvPr id="14" name="TextBox 13">
@@ -3843,7 +3962,7 @@
             </p:nvSpPr>
             <p:spPr>
               <a:xfrm>
-                <a:off x="4728511" y="2988163"/>
+                <a:off x="5015419" y="2946465"/>
                 <a:ext cx="2684196" cy="812723"/>
               </a:xfrm>
               <a:prstGeom prst="rect">
@@ -3933,10 +4052,10 @@
                         <m:t>.</m:t>
                       </m:r>
                       <m:r>
-                        <a:rPr lang="en-US" sz="2400" b="1" i="1" smtClean="0">
+                        <a:rPr lang="en-US" altLang="zh-CN" sz="2400" b="1" i="1" smtClean="0">
                           <a:latin typeface="Cambria Math" panose="02040503050406030204" pitchFamily="18" charset="0"/>
                         </a:rPr>
-                        <m:t>𝟖</m:t>
+                        <m:t>𝟗</m:t>
                       </m:r>
                       <m:f>
                         <m:fPr>
@@ -4059,7 +4178,7 @@
             </p:txBody>
           </p:sp>
         </mc:Choice>
-        <mc:Fallback xmlns="">
+        <mc:Fallback>
           <p:sp>
             <p:nvSpPr>
               <p:cNvPr id="14" name="TextBox 13">
@@ -4076,16 +4195,16 @@
             </p:nvSpPr>
             <p:spPr>
               <a:xfrm>
-                <a:off x="4728511" y="2988163"/>
+                <a:off x="5015419" y="2946465"/>
                 <a:ext cx="2684196" cy="812723"/>
               </a:xfrm>
               <a:prstGeom prst="rect">
                 <a:avLst/>
               </a:prstGeom>
               <a:blipFill>
-                <a:blip r:embed="rId4"/>
+                <a:blip r:embed="rId6"/>
                 <a:stretch>
-                  <a:fillRect/>
+                  <a:fillRect l="-2830" b="-4545"/>
                 </a:stretch>
               </a:blipFill>
             </p:spPr>
@@ -4189,41 +4308,6 @@
           </a:p>
         </p:txBody>
       </p:sp>
-      <p:pic>
-        <p:nvPicPr>
-          <p:cNvPr id="20" name="Picture 19">
-            <a:extLst>
-              <a:ext uri="{FF2B5EF4-FFF2-40B4-BE49-F238E27FC236}">
-                <a16:creationId xmlns:a16="http://schemas.microsoft.com/office/drawing/2014/main" id="{79FD8305-75CB-4C68-84F6-1AA5FE9360D3}"/>
-              </a:ext>
-            </a:extLst>
-          </p:cNvPr>
-          <p:cNvPicPr>
-            <a:picLocks noChangeAspect="1"/>
-          </p:cNvPicPr>
-          <p:nvPr/>
-        </p:nvPicPr>
-        <p:blipFill rotWithShape="1">
-          <a:blip r:embed="rId5">
-            <a:extLst>
-              <a:ext uri="{28A0092B-C50C-407E-A947-70E740481C1C}">
-                <a14:useLocalDpi xmlns:a14="http://schemas.microsoft.com/office/drawing/2010/main" val="0"/>
-              </a:ext>
-            </a:extLst>
-          </a:blip>
-          <a:srcRect l="1801" t="22068" r="92956" b="28241"/>
-          <a:stretch/>
-        </p:blipFill>
-        <p:spPr>
-          <a:xfrm>
-            <a:off x="9563076" y="953574"/>
-            <a:ext cx="495324" cy="3264464"/>
-          </a:xfrm>
-          <a:prstGeom prst="rect">
-            <a:avLst/>
-          </a:prstGeom>
-        </p:spPr>
-      </p:pic>
     </p:spTree>
     <p:extLst>
       <p:ext uri="{BB962C8B-B14F-4D97-AF65-F5344CB8AC3E}">

--- a/Diagnostics/local/Cori/figures/New Microsoft PowerPoint Presentation.pptx
+++ b/Diagnostics/local/Cori/figures/New Microsoft PowerPoint Presentation.pptx
@@ -197,7 +197,7 @@
           <a:p>
             <a:fld id="{35AC45B3-7EA6-4BE2-93A0-CBD29CB287C0}" type="datetimeFigureOut">
               <a:rPr lang="en-US" smtClean="0"/>
-              <a:t>10/17/22</a:t>
+              <a:t>1/30/2023</a:t>
             </a:fld>
             <a:endParaRPr lang="en-US"/>
           </a:p>
@@ -679,7 +679,7 @@
           <a:p>
             <a:fld id="{7605E09F-1329-4994-8266-187CDE3C8E3F}" type="datetimeFigureOut">
               <a:rPr lang="en-US" smtClean="0"/>
-              <a:t>10/17/22</a:t>
+              <a:t>1/30/2023</a:t>
             </a:fld>
             <a:endParaRPr lang="en-US"/>
           </a:p>
@@ -849,7 +849,7 @@
           <a:p>
             <a:fld id="{7605E09F-1329-4994-8266-187CDE3C8E3F}" type="datetimeFigureOut">
               <a:rPr lang="en-US" smtClean="0"/>
-              <a:t>10/17/22</a:t>
+              <a:t>1/30/2023</a:t>
             </a:fld>
             <a:endParaRPr lang="en-US"/>
           </a:p>
@@ -1029,7 +1029,7 @@
           <a:p>
             <a:fld id="{7605E09F-1329-4994-8266-187CDE3C8E3F}" type="datetimeFigureOut">
               <a:rPr lang="en-US" smtClean="0"/>
-              <a:t>10/17/22</a:t>
+              <a:t>1/30/2023</a:t>
             </a:fld>
             <a:endParaRPr lang="en-US"/>
           </a:p>
@@ -1199,7 +1199,7 @@
           <a:p>
             <a:fld id="{7605E09F-1329-4994-8266-187CDE3C8E3F}" type="datetimeFigureOut">
               <a:rPr lang="en-US" smtClean="0"/>
-              <a:t>10/17/22</a:t>
+              <a:t>1/30/2023</a:t>
             </a:fld>
             <a:endParaRPr lang="en-US"/>
           </a:p>
@@ -1445,7 +1445,7 @@
           <a:p>
             <a:fld id="{7605E09F-1329-4994-8266-187CDE3C8E3F}" type="datetimeFigureOut">
               <a:rPr lang="en-US" smtClean="0"/>
-              <a:t>10/17/22</a:t>
+              <a:t>1/30/2023</a:t>
             </a:fld>
             <a:endParaRPr lang="en-US"/>
           </a:p>
@@ -1677,7 +1677,7 @@
           <a:p>
             <a:fld id="{7605E09F-1329-4994-8266-187CDE3C8E3F}" type="datetimeFigureOut">
               <a:rPr lang="en-US" smtClean="0"/>
-              <a:t>10/17/22</a:t>
+              <a:t>1/30/2023</a:t>
             </a:fld>
             <a:endParaRPr lang="en-US"/>
           </a:p>
@@ -2044,7 +2044,7 @@
           <a:p>
             <a:fld id="{7605E09F-1329-4994-8266-187CDE3C8E3F}" type="datetimeFigureOut">
               <a:rPr lang="en-US" smtClean="0"/>
-              <a:t>10/17/22</a:t>
+              <a:t>1/30/2023</a:t>
             </a:fld>
             <a:endParaRPr lang="en-US"/>
           </a:p>
@@ -2162,7 +2162,7 @@
           <a:p>
             <a:fld id="{7605E09F-1329-4994-8266-187CDE3C8E3F}" type="datetimeFigureOut">
               <a:rPr lang="en-US" smtClean="0"/>
-              <a:t>10/17/22</a:t>
+              <a:t>1/30/2023</a:t>
             </a:fld>
             <a:endParaRPr lang="en-US"/>
           </a:p>
@@ -2257,7 +2257,7 @@
           <a:p>
             <a:fld id="{7605E09F-1329-4994-8266-187CDE3C8E3F}" type="datetimeFigureOut">
               <a:rPr lang="en-US" smtClean="0"/>
-              <a:t>10/17/22</a:t>
+              <a:t>1/30/2023</a:t>
             </a:fld>
             <a:endParaRPr lang="en-US"/>
           </a:p>
@@ -2534,7 +2534,7 @@
           <a:p>
             <a:fld id="{7605E09F-1329-4994-8266-187CDE3C8E3F}" type="datetimeFigureOut">
               <a:rPr lang="en-US" smtClean="0"/>
-              <a:t>10/17/22</a:t>
+              <a:t>1/30/2023</a:t>
             </a:fld>
             <a:endParaRPr lang="en-US"/>
           </a:p>
@@ -2791,7 +2791,7 @@
           <a:p>
             <a:fld id="{7605E09F-1329-4994-8266-187CDE3C8E3F}" type="datetimeFigureOut">
               <a:rPr lang="en-US" smtClean="0"/>
-              <a:t>10/17/22</a:t>
+              <a:t>1/30/2023</a:t>
             </a:fld>
             <a:endParaRPr lang="en-US"/>
           </a:p>
@@ -3004,7 +3004,7 @@
           <a:p>
             <a:fld id="{7605E09F-1329-4994-8266-187CDE3C8E3F}" type="datetimeFigureOut">
               <a:rPr lang="en-US" smtClean="0"/>
-              <a:t>10/17/22</a:t>
+              <a:t>1/30/2023</a:t>
             </a:fld>
             <a:endParaRPr lang="en-US"/>
           </a:p>
@@ -3493,7 +3493,7 @@
         </p:nvSpPr>
         <p:spPr>
           <a:xfrm>
-            <a:off x="1220784" y="279541"/>
+            <a:off x="1086254" y="279541"/>
             <a:ext cx="324128" cy="523220"/>
           </a:xfrm>
           <a:prstGeom prst="rect">
@@ -3531,7 +3531,7 @@
         </p:nvSpPr>
         <p:spPr>
           <a:xfrm>
-            <a:off x="2344674" y="279541"/>
+            <a:off x="2249868" y="278615"/>
             <a:ext cx="463588" cy="523220"/>
           </a:xfrm>
           <a:prstGeom prst="rect">
@@ -3569,7 +3569,7 @@
         </p:nvSpPr>
         <p:spPr>
           <a:xfrm>
-            <a:off x="3458079" y="298032"/>
+            <a:off x="3608024" y="279541"/>
             <a:ext cx="603050" cy="523220"/>
           </a:xfrm>
           <a:prstGeom prst="rect">
@@ -3607,7 +3607,7 @@
         </p:nvSpPr>
         <p:spPr>
           <a:xfrm>
-            <a:off x="4990631" y="298032"/>
+            <a:off x="5340776" y="279541"/>
             <a:ext cx="583814" cy="523220"/>
           </a:xfrm>
           <a:prstGeom prst="rect">
@@ -3645,7 +3645,7 @@
         </p:nvSpPr>
         <p:spPr>
           <a:xfrm>
-            <a:off x="7250139" y="301416"/>
+            <a:off x="7521657" y="278615"/>
             <a:ext cx="444352" cy="523220"/>
           </a:xfrm>
           <a:prstGeom prst="rect">
@@ -3669,8 +3669,8 @@
           </a:p>
         </p:txBody>
       </p:sp>
-      <mc:AlternateContent xmlns:mc="http://schemas.openxmlformats.org/markup-compatibility/2006">
-        <mc:Choice xmlns:a14="http://schemas.microsoft.com/office/drawing/2010/main" Requires="a14">
+      <mc:AlternateContent xmlns:mc="http://schemas.openxmlformats.org/markup-compatibility/2006" xmlns:a14="http://schemas.microsoft.com/office/drawing/2010/main">
+        <mc:Choice Requires="a14">
           <p:sp>
             <p:nvSpPr>
               <p:cNvPr id="12" name="TextBox 11">
@@ -3901,7 +3901,7 @@
             </p:txBody>
           </p:sp>
         </mc:Choice>
-        <mc:Fallback>
+        <mc:Fallback xmlns="">
           <p:sp>
             <p:nvSpPr>
               <p:cNvPr id="12" name="TextBox 11">
@@ -3946,8 +3946,8 @@
           </p:sp>
         </mc:Fallback>
       </mc:AlternateContent>
-      <mc:AlternateContent xmlns:mc="http://schemas.openxmlformats.org/markup-compatibility/2006">
-        <mc:Choice xmlns:a14="http://schemas.microsoft.com/office/drawing/2010/main" Requires="a14">
+      <mc:AlternateContent xmlns:mc="http://schemas.openxmlformats.org/markup-compatibility/2006" xmlns:a14="http://schemas.microsoft.com/office/drawing/2010/main">
+        <mc:Choice Requires="a14">
           <p:sp>
             <p:nvSpPr>
               <p:cNvPr id="14" name="TextBox 13">
@@ -4178,7 +4178,7 @@
             </p:txBody>
           </p:sp>
         </mc:Choice>
-        <mc:Fallback>
+        <mc:Fallback xmlns="">
           <p:sp>
             <p:nvSpPr>
               <p:cNvPr id="14" name="TextBox 13">
